--- a/honey bee.pptx
+++ b/honey bee.pptx
@@ -23,7 +23,7 @@
     <p:sldId id="273" r:id="rId14"/>
     <p:sldId id="274" r:id="rId15"/>
     <p:sldId id="272" r:id="rId16"/>
-    <p:sldId id="275" r:id="rId17"/>
+    <p:sldId id="277" r:id="rId17"/>
     <p:sldId id="276" r:id="rId18"/>
   </p:sldIdLst>
   <p:sldSz cx="9144000" cy="6858000" type="screen4x3"/>
@@ -224,7 +224,7 @@
           <a:p>
             <a:fld id="{6106115A-3C98-364F-9448-A578508A4768}" type="datetimeFigureOut">
               <a:rPr lang="en-US" smtClean="0"/>
-              <a:t>1/31/19</a:t>
+              <a:t>2/1/19</a:t>
             </a:fld>
             <a:endParaRPr lang="en-US"/>
           </a:p>
@@ -2190,7 +2190,7 @@
           <a:p>
             <a:fld id="{196B1159-5764-4BE6-B52B-13CDCFFE6235}" type="datetimeFigureOut">
               <a:rPr lang="en-US" smtClean="0"/>
-              <a:t>1/31/19</a:t>
+              <a:t>2/1/19</a:t>
             </a:fld>
             <a:endParaRPr lang="en-US"/>
           </a:p>
@@ -2355,7 +2355,7 @@
           <a:p>
             <a:fld id="{196B1159-5764-4BE6-B52B-13CDCFFE6235}" type="datetimeFigureOut">
               <a:rPr lang="en-US" smtClean="0"/>
-              <a:t>1/31/19</a:t>
+              <a:t>2/1/19</a:t>
             </a:fld>
             <a:endParaRPr lang="en-US"/>
           </a:p>
@@ -2530,7 +2530,7 @@
           <a:p>
             <a:fld id="{196B1159-5764-4BE6-B52B-13CDCFFE6235}" type="datetimeFigureOut">
               <a:rPr lang="en-US" smtClean="0"/>
-              <a:t>1/31/19</a:t>
+              <a:t>2/1/19</a:t>
             </a:fld>
             <a:endParaRPr lang="en-US"/>
           </a:p>
@@ -2695,7 +2695,7 @@
           <a:p>
             <a:fld id="{196B1159-5764-4BE6-B52B-13CDCFFE6235}" type="datetimeFigureOut">
               <a:rPr lang="en-US" smtClean="0"/>
-              <a:t>1/31/19</a:t>
+              <a:t>2/1/19</a:t>
             </a:fld>
             <a:endParaRPr lang="en-US"/>
           </a:p>
@@ -2936,7 +2936,7 @@
           <a:p>
             <a:fld id="{196B1159-5764-4BE6-B52B-13CDCFFE6235}" type="datetimeFigureOut">
               <a:rPr lang="en-US" smtClean="0"/>
-              <a:t>1/31/19</a:t>
+              <a:t>2/1/19</a:t>
             </a:fld>
             <a:endParaRPr lang="en-US"/>
           </a:p>
@@ -3219,7 +3219,7 @@
           <a:p>
             <a:fld id="{196B1159-5764-4BE6-B52B-13CDCFFE6235}" type="datetimeFigureOut">
               <a:rPr lang="en-US" smtClean="0"/>
-              <a:t>1/31/19</a:t>
+              <a:t>2/1/19</a:t>
             </a:fld>
             <a:endParaRPr lang="en-US"/>
           </a:p>
@@ -3636,7 +3636,7 @@
           <a:p>
             <a:fld id="{196B1159-5764-4BE6-B52B-13CDCFFE6235}" type="datetimeFigureOut">
               <a:rPr lang="en-US" smtClean="0"/>
-              <a:t>1/31/19</a:t>
+              <a:t>2/1/19</a:t>
             </a:fld>
             <a:endParaRPr lang="en-US"/>
           </a:p>
@@ -3749,7 +3749,7 @@
           <a:p>
             <a:fld id="{196B1159-5764-4BE6-B52B-13CDCFFE6235}" type="datetimeFigureOut">
               <a:rPr lang="en-US" smtClean="0"/>
-              <a:t>1/31/19</a:t>
+              <a:t>2/1/19</a:t>
             </a:fld>
             <a:endParaRPr lang="en-US"/>
           </a:p>
@@ -3839,7 +3839,7 @@
           <a:p>
             <a:fld id="{196B1159-5764-4BE6-B52B-13CDCFFE6235}" type="datetimeFigureOut">
               <a:rPr lang="en-US" smtClean="0"/>
-              <a:t>1/31/19</a:t>
+              <a:t>2/1/19</a:t>
             </a:fld>
             <a:endParaRPr lang="en-US"/>
           </a:p>
@@ -4111,7 +4111,7 @@
           <a:p>
             <a:fld id="{196B1159-5764-4BE6-B52B-13CDCFFE6235}" type="datetimeFigureOut">
               <a:rPr lang="en-US" smtClean="0"/>
-              <a:t>1/31/19</a:t>
+              <a:t>2/1/19</a:t>
             </a:fld>
             <a:endParaRPr lang="en-US"/>
           </a:p>
@@ -4359,7 +4359,7 @@
           <a:p>
             <a:fld id="{196B1159-5764-4BE6-B52B-13CDCFFE6235}" type="datetimeFigureOut">
               <a:rPr lang="en-US" smtClean="0"/>
-              <a:t>1/31/19</a:t>
+              <a:t>2/1/19</a:t>
             </a:fld>
             <a:endParaRPr lang="en-US"/>
           </a:p>
@@ -4576,7 +4576,7 @@
           <a:p>
             <a:fld id="{196B1159-5764-4BE6-B52B-13CDCFFE6235}" type="datetimeFigureOut">
               <a:rPr lang="en-US" smtClean="0"/>
-              <a:t>1/31/19</a:t>
+              <a:t>2/1/19</a:t>
             </a:fld>
             <a:endParaRPr lang="en-US"/>
           </a:p>
@@ -6060,7 +6060,7 @@
         </p:blipFill>
         <p:spPr>
           <a:xfrm>
-            <a:off x="4652638" y="836712"/>
+            <a:off x="63073" y="820356"/>
             <a:ext cx="4464496" cy="6021288"/>
           </a:xfrm>
           <a:prstGeom prst="rect">
@@ -6096,7 +6096,7 @@
         </p:blipFill>
         <p:spPr>
           <a:xfrm>
-            <a:off x="80637" y="836712"/>
+            <a:off x="4616433" y="836546"/>
             <a:ext cx="4491363" cy="6021288"/>
           </a:xfrm>
           <a:prstGeom prst="rect">
@@ -6155,8 +6155,16 @@
           <a:bodyPr/>
           <a:lstStyle/>
           <a:p>
-            <a:r>
-              <a:rPr lang="en-US" dirty="0"/>
+            <a:pPr algn="l"/>
+            <a:r>
+              <a:rPr lang="en-US" sz="3200" dirty="0">
+                <a:solidFill>
+                  <a:schemeClr val="accent3">
+                    <a:lumMod val="50000"/>
+                  </a:schemeClr>
+                </a:solidFill>
+                <a:latin typeface="Futura Md BT" pitchFamily="34" charset="0"/>
+              </a:rPr>
               <a:t>Machine Learning</a:t>
             </a:r>
           </a:p>
@@ -6178,19 +6186,160 @@
             <p:ph idx="1"/>
           </p:nvPr>
         </p:nvSpPr>
-        <p:spPr/>
-        <p:txBody>
-          <a:bodyPr/>
-          <a:lstStyle/>
-          <a:p>
-            <a:endParaRPr lang="en-US"/>
+        <p:spPr>
+          <a:xfrm>
+            <a:off x="450710" y="1600199"/>
+            <a:ext cx="8010247" cy="1828800"/>
+          </a:xfrm>
+        </p:spPr>
+        <p:txBody>
+          <a:bodyPr>
+            <a:normAutofit/>
+          </a:bodyPr>
+          <a:lstStyle/>
+          <a:p>
+            <a:pPr algn="just"/>
+            <a:r>
+              <a:rPr lang="en-US" sz="2400" dirty="0"/>
+              <a:t>Bee pollen is a ball of pollen made by young bees when they land on a flower. It’s a mixture of pollen, saliva, and nectar or honey. Bees carry these balls back to the hive in sacs on their legs and store them in the hive’s honeycomb.</a:t>
+            </a:r>
+          </a:p>
+        </p:txBody>
+      </p:sp>
+      <p:pic>
+        <p:nvPicPr>
+          <p:cNvPr id="4" name="Picture 3">
+            <a:extLst>
+              <a:ext uri="{FF2B5EF4-FFF2-40B4-BE49-F238E27FC236}">
+                <a16:creationId xmlns:a16="http://schemas.microsoft.com/office/drawing/2014/main" id="{05075DD0-B9C1-4DDD-99A0-6284364AE30A}"/>
+              </a:ext>
+            </a:extLst>
+          </p:cNvPr>
+          <p:cNvPicPr>
+            <a:picLocks noChangeAspect="1"/>
+          </p:cNvPicPr>
+          <p:nvPr/>
+        </p:nvPicPr>
+        <p:blipFill>
+          <a:blip r:embed="rId2"/>
+          <a:stretch>
+            <a:fillRect/>
+          </a:stretch>
+        </p:blipFill>
+        <p:spPr>
+          <a:xfrm>
+            <a:off x="6804248" y="4244460"/>
+            <a:ext cx="1371719" cy="2286198"/>
+          </a:xfrm>
+          <a:prstGeom prst="rect">
+            <a:avLst/>
+          </a:prstGeom>
+        </p:spPr>
+      </p:pic>
+      <p:pic>
+        <p:nvPicPr>
+          <p:cNvPr id="5" name="Picture 4">
+            <a:extLst>
+              <a:ext uri="{FF2B5EF4-FFF2-40B4-BE49-F238E27FC236}">
+                <a16:creationId xmlns:a16="http://schemas.microsoft.com/office/drawing/2014/main" id="{F62C9B18-0E2F-4F3E-9F4B-1B9B0EE6B985}"/>
+              </a:ext>
+            </a:extLst>
+          </p:cNvPr>
+          <p:cNvPicPr>
+            <a:picLocks noChangeAspect="1"/>
+          </p:cNvPicPr>
+          <p:nvPr/>
+        </p:nvPicPr>
+        <p:blipFill>
+          <a:blip r:embed="rId3"/>
+          <a:stretch>
+            <a:fillRect/>
+          </a:stretch>
+        </p:blipFill>
+        <p:spPr>
+          <a:xfrm>
+            <a:off x="4462322" y="4244460"/>
+            <a:ext cx="1371719" cy="2286198"/>
+          </a:xfrm>
+          <a:prstGeom prst="rect">
+            <a:avLst/>
+          </a:prstGeom>
+        </p:spPr>
+      </p:pic>
+      <p:sp>
+        <p:nvSpPr>
+          <p:cNvPr id="6" name="TextBox 5">
+            <a:extLst>
+              <a:ext uri="{FF2B5EF4-FFF2-40B4-BE49-F238E27FC236}">
+                <a16:creationId xmlns:a16="http://schemas.microsoft.com/office/drawing/2014/main" id="{5CBF35EE-7504-4623-8589-9369F2BE6FD9}"/>
+              </a:ext>
+            </a:extLst>
+          </p:cNvPr>
+          <p:cNvSpPr txBox="1"/>
+          <p:nvPr/>
+        </p:nvSpPr>
+        <p:spPr>
+          <a:xfrm>
+            <a:off x="4572000" y="3429000"/>
+            <a:ext cx="1152128" cy="646331"/>
+          </a:xfrm>
+          <a:prstGeom prst="rect">
+            <a:avLst/>
+          </a:prstGeom>
+          <a:noFill/>
+        </p:spPr>
+        <p:txBody>
+          <a:bodyPr wrap="square" rtlCol="0">
+            <a:spAutoFit/>
+          </a:bodyPr>
+          <a:lstStyle/>
+          <a:p>
+            <a:r>
+              <a:rPr lang="en-US" dirty="0"/>
+              <a:t>Bee with no Pollen</a:t>
+            </a:r>
+          </a:p>
+        </p:txBody>
+      </p:sp>
+      <p:sp>
+        <p:nvSpPr>
+          <p:cNvPr id="7" name="TextBox 6">
+            <a:extLst>
+              <a:ext uri="{FF2B5EF4-FFF2-40B4-BE49-F238E27FC236}">
+                <a16:creationId xmlns:a16="http://schemas.microsoft.com/office/drawing/2014/main" id="{C76AC309-14BD-4DA3-8419-17ECDC2ADBE6}"/>
+              </a:ext>
+            </a:extLst>
+          </p:cNvPr>
+          <p:cNvSpPr txBox="1"/>
+          <p:nvPr/>
+        </p:nvSpPr>
+        <p:spPr>
+          <a:xfrm>
+            <a:off x="6994428" y="3428999"/>
+            <a:ext cx="1152128" cy="646331"/>
+          </a:xfrm>
+          <a:prstGeom prst="rect">
+            <a:avLst/>
+          </a:prstGeom>
+          <a:noFill/>
+        </p:spPr>
+        <p:txBody>
+          <a:bodyPr wrap="square" rtlCol="0">
+            <a:spAutoFit/>
+          </a:bodyPr>
+          <a:lstStyle/>
+          <a:p>
+            <a:r>
+              <a:rPr lang="en-US" dirty="0"/>
+              <a:t>Bee with Pollen</a:t>
+            </a:r>
           </a:p>
         </p:txBody>
       </p:sp>
     </p:spTree>
     <p:extLst>
       <p:ext uri="{BB962C8B-B14F-4D97-AF65-F5344CB8AC3E}">
-        <p14:creationId xmlns:p14="http://schemas.microsoft.com/office/powerpoint/2010/main" val="1491615992"/>
+        <p14:creationId xmlns:p14="http://schemas.microsoft.com/office/powerpoint/2010/main" val="148339182"/>
       </p:ext>
     </p:extLst>
   </p:cSld>
@@ -6238,9 +6387,17 @@
           <a:bodyPr/>
           <a:lstStyle/>
           <a:p>
-            <a:r>
-              <a:rPr lang="en-US" dirty="0"/>
-              <a:t>Summary</a:t>
+            <a:pPr algn="l"/>
+            <a:r>
+              <a:rPr lang="en-US" sz="3200" dirty="0">
+                <a:solidFill>
+                  <a:schemeClr val="accent3">
+                    <a:lumMod val="50000"/>
+                  </a:schemeClr>
+                </a:solidFill>
+                <a:latin typeface="Futura Md BT" pitchFamily="34" charset="0"/>
+              </a:rPr>
+              <a:t>Machine Learning - CNN</a:t>
             </a:r>
           </a:p>
         </p:txBody>
@@ -6261,19 +6418,74 @@
             <p:ph idx="1"/>
           </p:nvPr>
         </p:nvSpPr>
-        <p:spPr/>
-        <p:txBody>
-          <a:bodyPr/>
-          <a:lstStyle/>
-          <a:p>
-            <a:endParaRPr lang="en-US"/>
-          </a:p>
-        </p:txBody>
-      </p:sp>
+        <p:spPr>
+          <a:xfrm>
+            <a:off x="450710" y="1600198"/>
+            <a:ext cx="8010247" cy="4493097"/>
+          </a:xfrm>
+        </p:spPr>
+        <p:txBody>
+          <a:bodyPr>
+            <a:normAutofit/>
+          </a:bodyPr>
+          <a:lstStyle/>
+          <a:p>
+            <a:pPr algn="just"/>
+            <a:r>
+              <a:rPr lang="en-US" sz="2400" dirty="0"/>
+              <a:t>Total 714 images of bees available – 369 pollen carrying and 345 non-pollen carrying</a:t>
+            </a:r>
+          </a:p>
+          <a:p>
+            <a:pPr algn="just"/>
+            <a:r>
+              <a:rPr lang="en-US" sz="2400" dirty="0"/>
+              <a:t>Custom CNN model trained on 80% data set and evaluated using the other 20%</a:t>
+            </a:r>
+          </a:p>
+          <a:p>
+            <a:pPr algn="just"/>
+            <a:r>
+              <a:rPr lang="en-US" sz="2400" dirty="0"/>
+              <a:t>Model Accuracy obtained: 95.1%</a:t>
+            </a:r>
+          </a:p>
+        </p:txBody>
+      </p:sp>
+      <p:pic>
+        <p:nvPicPr>
+          <p:cNvPr id="8" name="Picture 7">
+            <a:extLst>
+              <a:ext uri="{FF2B5EF4-FFF2-40B4-BE49-F238E27FC236}">
+                <a16:creationId xmlns:a16="http://schemas.microsoft.com/office/drawing/2014/main" id="{1A6F6156-B16E-47EA-BCB5-3927F775422C}"/>
+              </a:ext>
+            </a:extLst>
+          </p:cNvPr>
+          <p:cNvPicPr>
+            <a:picLocks noChangeAspect="1"/>
+          </p:cNvPicPr>
+          <p:nvPr/>
+        </p:nvPicPr>
+        <p:blipFill>
+          <a:blip r:embed="rId2"/>
+          <a:stretch>
+            <a:fillRect/>
+          </a:stretch>
+        </p:blipFill>
+        <p:spPr>
+          <a:xfrm>
+            <a:off x="2383690" y="3798929"/>
+            <a:ext cx="4376619" cy="2917746"/>
+          </a:xfrm>
+          <a:prstGeom prst="rect">
+            <a:avLst/>
+          </a:prstGeom>
+        </p:spPr>
+      </p:pic>
     </p:spTree>
     <p:extLst>
       <p:ext uri="{BB962C8B-B14F-4D97-AF65-F5344CB8AC3E}">
-        <p14:creationId xmlns:p14="http://schemas.microsoft.com/office/powerpoint/2010/main" val="3739931809"/>
+        <p14:creationId xmlns:p14="http://schemas.microsoft.com/office/powerpoint/2010/main" val="2935725"/>
       </p:ext>
     </p:extLst>
   </p:cSld>
